--- a/abel/39_node/node.pptx
+++ b/abel/39_node/node.pptx
@@ -9,8 +9,8 @@
   </p:notesMasterIdLst>
   <p:sldIdLst>
     <p:sldId id="276" r:id="rId2"/>
-    <p:sldId id="306" r:id="rId3"/>
-    <p:sldId id="301" r:id="rId4"/>
+    <p:sldId id="301" r:id="rId3"/>
+    <p:sldId id="306" r:id="rId4"/>
     <p:sldId id="302" r:id="rId5"/>
     <p:sldId id="303" r:id="rId6"/>
     <p:sldId id="304" r:id="rId7"/>
@@ -219,7 +219,7 @@
           <a:p>
             <a:fld id="{68C806D7-D637-0041-A3C4-7DA08BEA654B}" type="datetimeFigureOut">
               <a:rPr lang="en-US" smtClean="0"/>
-              <a:t>3/5/17</a:t>
+              <a:t>3/6/17</a:t>
             </a:fld>
             <a:endParaRPr lang="en-US"/>
           </a:p>
@@ -1676,7 +1676,7 @@
           <a:p>
             <a:fld id="{ED8DB6D0-792B-4444-954A-9CA958161E99}" type="datetimeFigureOut">
               <a:rPr lang="en-US" smtClean="0"/>
-              <a:t>3/5/17</a:t>
+              <a:t>3/6/17</a:t>
             </a:fld>
             <a:endParaRPr lang="en-US"/>
           </a:p>
@@ -1846,7 +1846,7 @@
           <a:p>
             <a:fld id="{ED8DB6D0-792B-4444-954A-9CA958161E99}" type="datetimeFigureOut">
               <a:rPr lang="en-US" smtClean="0"/>
-              <a:t>3/5/17</a:t>
+              <a:t>3/6/17</a:t>
             </a:fld>
             <a:endParaRPr lang="en-US"/>
           </a:p>
@@ -2026,7 +2026,7 @@
           <a:p>
             <a:fld id="{ED8DB6D0-792B-4444-954A-9CA958161E99}" type="datetimeFigureOut">
               <a:rPr lang="en-US" smtClean="0"/>
-              <a:t>3/5/17</a:t>
+              <a:t>3/6/17</a:t>
             </a:fld>
             <a:endParaRPr lang="en-US"/>
           </a:p>
@@ -2196,7 +2196,7 @@
           <a:p>
             <a:fld id="{ED8DB6D0-792B-4444-954A-9CA958161E99}" type="datetimeFigureOut">
               <a:rPr lang="en-US" smtClean="0"/>
-              <a:t>3/5/17</a:t>
+              <a:t>3/6/17</a:t>
             </a:fld>
             <a:endParaRPr lang="en-US"/>
           </a:p>
@@ -2442,7 +2442,7 @@
           <a:p>
             <a:fld id="{ED8DB6D0-792B-4444-954A-9CA958161E99}" type="datetimeFigureOut">
               <a:rPr lang="en-US" smtClean="0"/>
-              <a:t>3/5/17</a:t>
+              <a:t>3/6/17</a:t>
             </a:fld>
             <a:endParaRPr lang="en-US"/>
           </a:p>
@@ -2730,7 +2730,7 @@
           <a:p>
             <a:fld id="{ED8DB6D0-792B-4444-954A-9CA958161E99}" type="datetimeFigureOut">
               <a:rPr lang="en-US" smtClean="0"/>
-              <a:t>3/5/17</a:t>
+              <a:t>3/6/17</a:t>
             </a:fld>
             <a:endParaRPr lang="en-US"/>
           </a:p>
@@ -3152,7 +3152,7 @@
           <a:p>
             <a:fld id="{ED8DB6D0-792B-4444-954A-9CA958161E99}" type="datetimeFigureOut">
               <a:rPr lang="en-US" smtClean="0"/>
-              <a:t>3/5/17</a:t>
+              <a:t>3/6/17</a:t>
             </a:fld>
             <a:endParaRPr lang="en-US"/>
           </a:p>
@@ -3270,7 +3270,7 @@
           <a:p>
             <a:fld id="{ED8DB6D0-792B-4444-954A-9CA958161E99}" type="datetimeFigureOut">
               <a:rPr lang="en-US" smtClean="0"/>
-              <a:t>3/5/17</a:t>
+              <a:t>3/6/17</a:t>
             </a:fld>
             <a:endParaRPr lang="en-US"/>
           </a:p>
@@ -3365,7 +3365,7 @@
           <a:p>
             <a:fld id="{ED8DB6D0-792B-4444-954A-9CA958161E99}" type="datetimeFigureOut">
               <a:rPr lang="en-US" smtClean="0"/>
-              <a:t>3/5/17</a:t>
+              <a:t>3/6/17</a:t>
             </a:fld>
             <a:endParaRPr lang="en-US"/>
           </a:p>
@@ -3642,7 +3642,7 @@
           <a:p>
             <a:fld id="{ED8DB6D0-792B-4444-954A-9CA958161E99}" type="datetimeFigureOut">
               <a:rPr lang="en-US" smtClean="0"/>
-              <a:t>3/5/17</a:t>
+              <a:t>3/6/17</a:t>
             </a:fld>
             <a:endParaRPr lang="en-US"/>
           </a:p>
@@ -3895,7 +3895,7 @@
           <a:p>
             <a:fld id="{ED8DB6D0-792B-4444-954A-9CA958161E99}" type="datetimeFigureOut">
               <a:rPr lang="en-US" smtClean="0"/>
-              <a:t>3/5/17</a:t>
+              <a:t>3/6/17</a:t>
             </a:fld>
             <a:endParaRPr lang="en-US"/>
           </a:p>
@@ -4108,7 +4108,7 @@
           <a:p>
             <a:fld id="{ED8DB6D0-792B-4444-954A-9CA958161E99}" type="datetimeFigureOut">
               <a:rPr lang="en-US" smtClean="0"/>
-              <a:t>3/5/17</a:t>
+              <a:t>3/6/17</a:t>
             </a:fld>
             <a:endParaRPr lang="en-US"/>
           </a:p>
@@ -6951,81 +6951,50 @@
           <a:chExt cx="0" cy="0"/>
         </a:xfrm>
       </p:grpSpPr>
-      <p:pic>
-        <p:nvPicPr>
-          <p:cNvPr id="6" name="Picture 5" descr="network.jpg"/>
-          <p:cNvPicPr>
-            <a:picLocks noChangeAspect="1"/>
-          </p:cNvPicPr>
-          <p:nvPr/>
-        </p:nvPicPr>
-        <p:blipFill>
-          <a:blip r:embed="rId2">
-            <a:duotone>
-              <a:schemeClr val="bg2">
-                <a:shade val="45000"/>
-                <a:satMod val="135000"/>
-              </a:schemeClr>
-              <a:prstClr val="white"/>
-            </a:duotone>
-            <a:extLst>
-              <a:ext uri="{28A0092B-C50C-407E-A947-70E740481C1C}">
-                <a14:useLocalDpi xmlns:a14="http://schemas.microsoft.com/office/drawing/2010/main" val="0"/>
-              </a:ext>
-            </a:extLst>
-          </a:blip>
-          <a:stretch>
-            <a:fillRect/>
-          </a:stretch>
-        </p:blipFill>
-        <p:spPr>
-          <a:xfrm>
-            <a:off x="0" y="0"/>
-            <a:ext cx="9144000" cy="5143500"/>
-          </a:xfrm>
-          <a:prstGeom prst="rect">
-            <a:avLst/>
-          </a:prstGeom>
-        </p:spPr>
-      </p:pic>
-      <p:sp>
-        <p:nvSpPr>
-          <p:cNvPr id="4" name="Rectangle 3"/>
-          <p:cNvSpPr/>
-          <p:nvPr/>
-        </p:nvSpPr>
-        <p:spPr>
-          <a:xfrm>
-            <a:off x="388566" y="1910031"/>
-            <a:ext cx="8366869" cy="1323439"/>
-          </a:xfrm>
-          <a:prstGeom prst="rect">
-            <a:avLst/>
-          </a:prstGeom>
-          <a:solidFill>
-            <a:schemeClr val="bg1">
-              <a:alpha val="60000"/>
-            </a:schemeClr>
-          </a:solidFill>
-        </p:spPr>
-        <p:txBody>
-          <a:bodyPr wrap="square">
-            <a:spAutoFit/>
-          </a:bodyPr>
-          <a:lstStyle/>
-          <a:p>
-            <a:pPr algn="ctr"/>
-            <a:r>
-              <a:rPr lang="en-US" sz="4000" i="1" dirty="0"/>
-              <a:t>Node’s goal is to provide </a:t>
-            </a:r>
-            <a:r>
-              <a:rPr lang="en-US" sz="4000" i="1" dirty="0" smtClean="0"/>
-              <a:t>an </a:t>
-            </a:r>
-            <a:r>
-              <a:rPr lang="en-US" sz="4000" i="1" dirty="0"/>
-              <a:t>easy way to build scalable network programs</a:t>
+      <p:sp>
+        <p:nvSpPr>
+          <p:cNvPr id="2" name="Title 1"/>
+          <p:cNvSpPr>
+            <a:spLocks noGrp="1"/>
+          </p:cNvSpPr>
+          <p:nvPr>
+            <p:ph type="title"/>
+          </p:nvPr>
+        </p:nvSpPr>
+        <p:spPr/>
+        <p:txBody>
+          <a:bodyPr/>
+          <a:lstStyle/>
+          <a:p>
+            <a:r>
+              <a:rPr lang="en-US" dirty="0" smtClean="0"/>
+              <a:t>Node.JS</a:t>
+            </a:r>
+            <a:endParaRPr lang="en-US" dirty="0"/>
+          </a:p>
+        </p:txBody>
+      </p:sp>
+      <p:sp>
+        <p:nvSpPr>
+          <p:cNvPr id="3" name="Content Placeholder 2"/>
+          <p:cNvSpPr>
+            <a:spLocks noGrp="1"/>
+          </p:cNvSpPr>
+          <p:nvPr>
+            <p:ph idx="1"/>
+          </p:nvPr>
+        </p:nvSpPr>
+        <p:spPr/>
+        <p:txBody>
+          <a:bodyPr/>
+          <a:lstStyle/>
+          <a:p>
+            <a:pPr marL="0" indent="0">
+              <a:buNone/>
+            </a:pPr>
+            <a:r>
+              <a:rPr lang="en-US" dirty="0"/>
+              <a:t>Node.js is an open source, cross-platform,  JavaScript runtime built on Chrome's V8 JavaScript engine, for developing server and client side applications. Node.js uses an event-driven, non-blocking I/O model that makes it lightweight and efficient. </a:t>
             </a:r>
           </a:p>
         </p:txBody>
@@ -7033,7 +7002,7 @@
     </p:spTree>
     <p:extLst>
       <p:ext uri="{BB962C8B-B14F-4D97-AF65-F5344CB8AC3E}">
-        <p14:creationId xmlns:p14="http://schemas.microsoft.com/office/powerpoint/2010/main" val="2284949078"/>
+        <p14:creationId xmlns:p14="http://schemas.microsoft.com/office/powerpoint/2010/main" val="622313167"/>
       </p:ext>
     </p:extLst>
   </p:cSld>
@@ -8602,50 +8571,81 @@
           <a:chExt cx="0" cy="0"/>
         </a:xfrm>
       </p:grpSpPr>
-      <p:sp>
-        <p:nvSpPr>
-          <p:cNvPr id="2" name="Title 1"/>
-          <p:cNvSpPr>
-            <a:spLocks noGrp="1"/>
-          </p:cNvSpPr>
-          <p:nvPr>
-            <p:ph type="title"/>
-          </p:nvPr>
-        </p:nvSpPr>
-        <p:spPr/>
-        <p:txBody>
-          <a:bodyPr/>
-          <a:lstStyle/>
-          <a:p>
-            <a:r>
-              <a:rPr lang="en-US" dirty="0" smtClean="0"/>
-              <a:t>Node.JS</a:t>
-            </a:r>
-            <a:endParaRPr lang="en-US" dirty="0"/>
-          </a:p>
-        </p:txBody>
-      </p:sp>
-      <p:sp>
-        <p:nvSpPr>
-          <p:cNvPr id="3" name="Content Placeholder 2"/>
-          <p:cNvSpPr>
-            <a:spLocks noGrp="1"/>
-          </p:cNvSpPr>
-          <p:nvPr>
-            <p:ph idx="1"/>
-          </p:nvPr>
-        </p:nvSpPr>
-        <p:spPr/>
-        <p:txBody>
-          <a:bodyPr/>
-          <a:lstStyle/>
-          <a:p>
-            <a:pPr marL="0" indent="0">
-              <a:buNone/>
-            </a:pPr>
-            <a:r>
-              <a:rPr lang="en-US" dirty="0"/>
-              <a:t>Node.js is an open source, cross-platform,  JavaScript runtime built on Chrome's V8 JavaScript engine, for developing server and client side applications. Node.js uses an event-driven, non-blocking I/O model that makes it lightweight and efficient. </a:t>
+      <p:pic>
+        <p:nvPicPr>
+          <p:cNvPr id="6" name="Picture 5" descr="network.jpg"/>
+          <p:cNvPicPr>
+            <a:picLocks noChangeAspect="1"/>
+          </p:cNvPicPr>
+          <p:nvPr/>
+        </p:nvPicPr>
+        <p:blipFill>
+          <a:blip r:embed="rId2">
+            <a:duotone>
+              <a:schemeClr val="bg2">
+                <a:shade val="45000"/>
+                <a:satMod val="135000"/>
+              </a:schemeClr>
+              <a:prstClr val="white"/>
+            </a:duotone>
+            <a:extLst>
+              <a:ext uri="{28A0092B-C50C-407E-A947-70E740481C1C}">
+                <a14:useLocalDpi xmlns:a14="http://schemas.microsoft.com/office/drawing/2010/main" val="0"/>
+              </a:ext>
+            </a:extLst>
+          </a:blip>
+          <a:stretch>
+            <a:fillRect/>
+          </a:stretch>
+        </p:blipFill>
+        <p:spPr>
+          <a:xfrm>
+            <a:off x="0" y="0"/>
+            <a:ext cx="9144000" cy="5143500"/>
+          </a:xfrm>
+          <a:prstGeom prst="rect">
+            <a:avLst/>
+          </a:prstGeom>
+        </p:spPr>
+      </p:pic>
+      <p:sp>
+        <p:nvSpPr>
+          <p:cNvPr id="4" name="Rectangle 3"/>
+          <p:cNvSpPr/>
+          <p:nvPr/>
+        </p:nvSpPr>
+        <p:spPr>
+          <a:xfrm>
+            <a:off x="388566" y="1910031"/>
+            <a:ext cx="8366869" cy="1323439"/>
+          </a:xfrm>
+          <a:prstGeom prst="rect">
+            <a:avLst/>
+          </a:prstGeom>
+          <a:solidFill>
+            <a:schemeClr val="bg1">
+              <a:alpha val="60000"/>
+            </a:schemeClr>
+          </a:solidFill>
+        </p:spPr>
+        <p:txBody>
+          <a:bodyPr wrap="square">
+            <a:spAutoFit/>
+          </a:bodyPr>
+          <a:lstStyle/>
+          <a:p>
+            <a:pPr algn="ctr"/>
+            <a:r>
+              <a:rPr lang="en-US" sz="4000" i="1" dirty="0"/>
+              <a:t>Node’s goal is to provide </a:t>
+            </a:r>
+            <a:r>
+              <a:rPr lang="en-US" sz="4000" i="1" dirty="0" smtClean="0"/>
+              <a:t>an </a:t>
+            </a:r>
+            <a:r>
+              <a:rPr lang="en-US" sz="4000" i="1" dirty="0"/>
+              <a:t>easy way to build scalable network programs</a:t>
             </a:r>
           </a:p>
         </p:txBody>
@@ -8653,7 +8653,7 @@
     </p:spTree>
     <p:extLst>
       <p:ext uri="{BB962C8B-B14F-4D97-AF65-F5344CB8AC3E}">
-        <p14:creationId xmlns:p14="http://schemas.microsoft.com/office/powerpoint/2010/main" val="622313167"/>
+        <p14:creationId xmlns:p14="http://schemas.microsoft.com/office/powerpoint/2010/main" val="2284949078"/>
       </p:ext>
     </p:extLst>
   </p:cSld>
